--- a/media/templates/3D_float_design_template.pptx
+++ b/media/templates/3D_float_design_template.pptx
@@ -253,7 +253,7 @@
           <a:p>
             <a:fld id="{717BC71B-6527-4638-937B-C93EB849CB02}" type="datetimeFigureOut">
               <a:rPr lang="en-US" smtClean="0"/>
-              <a:t>1/6/2025</a:t>
+              <a:t>2/3/25</a:t>
             </a:fld>
             <a:endParaRPr lang="en-US" dirty="0"/>
           </a:p>
@@ -430,7 +430,7 @@
           <a:p>
             <a:fld id="{425465A2-8C9C-419F-9FD8-234480873777}" type="datetimeFigureOut">
               <a:rPr lang="en-US" smtClean="0"/>
-              <a:t>1/6/2025</a:t>
+              <a:t>2/3/25</a:t>
             </a:fld>
             <a:endParaRPr lang="en-US" dirty="0"/>
           </a:p>
@@ -846,7 +846,7 @@
           <a:p>
             <a:fld id="{E7AF00E9-A49D-4007-B3B9-A3783809E505}" type="slidenum">
               <a:rPr lang="en-US" smtClean="0"/>
-              <a:t>5</a:t>
+              <a:t>12</a:t>
             </a:fld>
             <a:endParaRPr lang="en-US" dirty="0"/>
           </a:p>
@@ -930,7 +930,7 @@
           <a:p>
             <a:fld id="{E7AF00E9-A49D-4007-B3B9-A3783809E505}" type="slidenum">
               <a:rPr lang="en-US" smtClean="0"/>
-              <a:t>15</a:t>
+              <a:t>13</a:t>
             </a:fld>
             <a:endParaRPr lang="en-US" dirty="0"/>
           </a:p>
@@ -1014,7 +1014,7 @@
           <a:p>
             <a:fld id="{E7AF00E9-A49D-4007-B3B9-A3783809E505}" type="slidenum">
               <a:rPr lang="en-US" smtClean="0"/>
-              <a:t>12</a:t>
+              <a:t>16</a:t>
             </a:fld>
             <a:endParaRPr lang="en-US" dirty="0"/>
           </a:p>
@@ -1098,7 +1098,7 @@
           <a:p>
             <a:fld id="{E7AF00E9-A49D-4007-B3B9-A3783809E505}" type="slidenum">
               <a:rPr lang="en-US" smtClean="0"/>
-              <a:t>13</a:t>
+              <a:t>17</a:t>
             </a:fld>
             <a:endParaRPr lang="en-US" dirty="0"/>
           </a:p>
@@ -1182,7 +1182,7 @@
           <a:p>
             <a:fld id="{E7AF00E9-A49D-4007-B3B9-A3783809E505}" type="slidenum">
               <a:rPr lang="en-US" smtClean="0"/>
-              <a:t>3</a:t>
+              <a:t>19</a:t>
             </a:fld>
             <a:endParaRPr lang="en-US" dirty="0"/>
           </a:p>
@@ -1266,7 +1266,7 @@
           <a:p>
             <a:fld id="{E7AF00E9-A49D-4007-B3B9-A3783809E505}" type="slidenum">
               <a:rPr lang="en-US" smtClean="0"/>
-              <a:t>3</a:t>
+              <a:t>20</a:t>
             </a:fld>
             <a:endParaRPr lang="en-US" dirty="0"/>
           </a:p>
@@ -1434,7 +1434,7 @@
           <a:p>
             <a:fld id="{E7AF00E9-A49D-4007-B3B9-A3783809E505}" type="slidenum">
               <a:rPr lang="en-US" smtClean="0"/>
-              <a:t>4</a:t>
+              <a:t>3</a:t>
             </a:fld>
             <a:endParaRPr lang="en-US" dirty="0"/>
           </a:p>
@@ -1518,7 +1518,7 @@
           <a:p>
             <a:fld id="{E7AF00E9-A49D-4007-B3B9-A3783809E505}" type="slidenum">
               <a:rPr lang="en-US" smtClean="0"/>
-              <a:t>5</a:t>
+              <a:t>4</a:t>
             </a:fld>
             <a:endParaRPr lang="en-US" dirty="0"/>
           </a:p>
@@ -1602,7 +1602,7 @@
           <a:p>
             <a:fld id="{E7AF00E9-A49D-4007-B3B9-A3783809E505}" type="slidenum">
               <a:rPr lang="en-US" smtClean="0"/>
-              <a:t>6</a:t>
+              <a:t>5</a:t>
             </a:fld>
             <a:endParaRPr lang="en-US" dirty="0"/>
           </a:p>
@@ -1686,7 +1686,7 @@
           <a:p>
             <a:fld id="{E7AF00E9-A49D-4007-B3B9-A3783809E505}" type="slidenum">
               <a:rPr lang="en-US" smtClean="0"/>
-              <a:t>7</a:t>
+              <a:t>6</a:t>
             </a:fld>
             <a:endParaRPr lang="en-US" dirty="0"/>
           </a:p>
@@ -1770,7 +1770,7 @@
           <a:p>
             <a:fld id="{E7AF00E9-A49D-4007-B3B9-A3783809E505}" type="slidenum">
               <a:rPr lang="en-US" smtClean="0"/>
-              <a:t>5</a:t>
+              <a:t>7</a:t>
             </a:fld>
             <a:endParaRPr lang="en-US" dirty="0"/>
           </a:p>
@@ -1854,7 +1854,7 @@
           <a:p>
             <a:fld id="{E7AF00E9-A49D-4007-B3B9-A3783809E505}" type="slidenum">
               <a:rPr lang="en-US" smtClean="0"/>
-              <a:t>3</a:t>
+              <a:t>9</a:t>
             </a:fld>
             <a:endParaRPr lang="en-US" dirty="0"/>
           </a:p>
@@ -1938,7 +1938,7 @@
           <a:p>
             <a:fld id="{E7AF00E9-A49D-4007-B3B9-A3783809E505}" type="slidenum">
               <a:rPr lang="en-US" smtClean="0"/>
-              <a:t>6</a:t>
+              <a:t>11</a:t>
             </a:fld>
             <a:endParaRPr lang="en-US" dirty="0"/>
           </a:p>
@@ -23106,26 +23106,6 @@
 </file>
 
 <file path=customXml/item1.xml><?xml version="1.0" encoding="utf-8"?>
-<p:properties xmlns:p="http://schemas.microsoft.com/office/2006/metadata/properties" xmlns:xsi="http://www.w3.org/2001/XMLSchema-instance" xmlns:pc="http://schemas.microsoft.com/office/infopath/2007/PartnerControls">
-  <documentManagement>
-    <_ip_UnifiedCompliancePolicyUIAction xmlns="http://schemas.microsoft.com/sharepoint/v3" xsi:nil="true"/>
-    <Image xmlns="71af3243-3dd4-4a8d-8c0d-dd76da1f02a5">
-      <Url xsi:nil="true"/>
-      <Description xsi:nil="true"/>
-    </Image>
-    <Status xmlns="71af3243-3dd4-4a8d-8c0d-dd76da1f02a5">Not started</Status>
-    <Background xmlns="71af3243-3dd4-4a8d-8c0d-dd76da1f02a5">false</Background>
-    <_ip_UnifiedCompliancePolicyProperties xmlns="http://schemas.microsoft.com/sharepoint/v3" xsi:nil="true"/>
-    <ImageTagsTaxHTField xmlns="71af3243-3dd4-4a8d-8c0d-dd76da1f02a5">
-      <Terms xmlns="http://schemas.microsoft.com/office/infopath/2007/PartnerControls"/>
-    </ImageTagsTaxHTField>
-    <TaxCatchAll xmlns="230e9df3-be65-4c73-a93b-d1236ebd677e" xsi:nil="true"/>
-    <MediaServiceKeyPoints xmlns="71af3243-3dd4-4a8d-8c0d-dd76da1f02a5" xsi:nil="true"/>
-  </documentManagement>
-</p:properties>
-</file>
-
-<file path=customXml/item2.xml><?xml version="1.0" encoding="utf-8"?>
 <ct:contentTypeSchema xmlns:ct="http://schemas.microsoft.com/office/2006/metadata/contentType" xmlns:ma="http://schemas.microsoft.com/office/2006/metadata/properties/metaAttributes" ct:_="" ma:_="" ma:contentTypeName="Document" ma:contentTypeID="0x01010079F111ED35F8CC479449609E8A0923A6" ma:contentTypeVersion="28" ma:contentTypeDescription="Create a new document." ma:contentTypeScope="" ma:versionID="60f5a4f2d2b0abadcf532d48ebf9cb71">
   <xsd:schema xmlns:xsd="http://www.w3.org/2001/XMLSchema" xmlns:xs="http://www.w3.org/2001/XMLSchema" xmlns:p="http://schemas.microsoft.com/office/2006/metadata/properties" xmlns:ns1="http://schemas.microsoft.com/sharepoint/v3" xmlns:ns2="71af3243-3dd4-4a8d-8c0d-dd76da1f02a5" xmlns:ns3="16c05727-aa75-4e4a-9b5f-8a80a1165891" xmlns:ns4="230e9df3-be65-4c73-a93b-d1236ebd677e" targetNamespace="http://schemas.microsoft.com/office/2006/metadata/properties" ma:root="true" ma:fieldsID="7dd78129e6a1811f84807ad11c651531" ns1:_="" ns2:_="" ns3:_="" ns4:_="">
     <xsd:import namespace="http://schemas.microsoft.com/sharepoint/v3"/>
@@ -23437,6 +23417,26 @@
 </ct:contentTypeSchema>
 </file>
 
+<file path=customXml/item2.xml><?xml version="1.0" encoding="utf-8"?>
+<p:properties xmlns:p="http://schemas.microsoft.com/office/2006/metadata/properties" xmlns:xsi="http://www.w3.org/2001/XMLSchema-instance" xmlns:pc="http://schemas.microsoft.com/office/infopath/2007/PartnerControls">
+  <documentManagement>
+    <_ip_UnifiedCompliancePolicyUIAction xmlns="http://schemas.microsoft.com/sharepoint/v3" xsi:nil="true"/>
+    <Image xmlns="71af3243-3dd4-4a8d-8c0d-dd76da1f02a5">
+      <Url xsi:nil="true"/>
+      <Description xsi:nil="true"/>
+    </Image>
+    <Status xmlns="71af3243-3dd4-4a8d-8c0d-dd76da1f02a5">Not started</Status>
+    <Background xmlns="71af3243-3dd4-4a8d-8c0d-dd76da1f02a5">false</Background>
+    <_ip_UnifiedCompliancePolicyProperties xmlns="http://schemas.microsoft.com/sharepoint/v3" xsi:nil="true"/>
+    <ImageTagsTaxHTField xmlns="71af3243-3dd4-4a8d-8c0d-dd76da1f02a5">
+      <Terms xmlns="http://schemas.microsoft.com/office/infopath/2007/PartnerControls"/>
+    </ImageTagsTaxHTField>
+    <TaxCatchAll xmlns="230e9df3-be65-4c73-a93b-d1236ebd677e" xsi:nil="true"/>
+    <MediaServiceKeyPoints xmlns="71af3243-3dd4-4a8d-8c0d-dd76da1f02a5" xsi:nil="true"/>
+  </documentManagement>
+</p:properties>
+</file>
+
 <file path=customXml/item3.xml><?xml version="1.0" encoding="utf-8"?>
 <?mso-contentType ?>
 <FormTemplates xmlns="http://schemas.microsoft.com/sharepoint/v3/contenttype/forms">
@@ -23447,25 +23447,6 @@
 </file>
 
 <file path=customXml/itemProps1.xml><?xml version="1.0" encoding="utf-8"?>
-<ds:datastoreItem xmlns:ds="http://schemas.openxmlformats.org/officeDocument/2006/customXml" ds:itemID="{1F342EE1-43E5-4AFB-895D-B61B9656DC14}">
-  <ds:schemaRefs>
-    <ds:schemaRef ds:uri="http://schemas.microsoft.com/office/2006/documentManagement/types"/>
-    <ds:schemaRef ds:uri="http://schemas.microsoft.com/sharepoint/v3"/>
-    <ds:schemaRef ds:uri="http://purl.org/dc/dcmitype/"/>
-    <ds:schemaRef ds:uri="http://purl.org/dc/elements/1.1/"/>
-    <ds:schemaRef ds:uri="http://purl.org/dc/terms/"/>
-    <ds:schemaRef ds:uri="http://schemas.microsoft.com/office/infopath/2007/PartnerControls"/>
-    <ds:schemaRef ds:uri="http://schemas.microsoft.com/office/2006/metadata/properties"/>
-    <ds:schemaRef ds:uri="http://www.w3.org/XML/1998/namespace"/>
-    <ds:schemaRef ds:uri="http://schemas.openxmlformats.org/package/2006/metadata/core-properties"/>
-    <ds:schemaRef ds:uri="230e9df3-be65-4c73-a93b-d1236ebd677e"/>
-    <ds:schemaRef ds:uri="16c05727-aa75-4e4a-9b5f-8a80a1165891"/>
-    <ds:schemaRef ds:uri="71af3243-3dd4-4a8d-8c0d-dd76da1f02a5"/>
-  </ds:schemaRefs>
-</ds:datastoreItem>
-</file>
-
-<file path=customXml/itemProps2.xml><?xml version="1.0" encoding="utf-8"?>
 <ds:datastoreItem xmlns:ds="http://schemas.openxmlformats.org/officeDocument/2006/customXml" ds:itemID="{797783A8-901D-4F73-81D7-AA6841BEB3D7}">
   <ds:schemaRefs>
     <ds:schemaRef ds:uri="http://schemas.microsoft.com/office/2006/metadata/contentType"/>
@@ -23486,6 +23467,25 @@
 </ds:datastoreItem>
 </file>
 
+<file path=customXml/itemProps2.xml><?xml version="1.0" encoding="utf-8"?>
+<ds:datastoreItem xmlns:ds="http://schemas.openxmlformats.org/officeDocument/2006/customXml" ds:itemID="{1F342EE1-43E5-4AFB-895D-B61B9656DC14}">
+  <ds:schemaRefs>
+    <ds:schemaRef ds:uri="http://schemas.microsoft.com/office/2006/documentManagement/types"/>
+    <ds:schemaRef ds:uri="http://schemas.microsoft.com/sharepoint/v3"/>
+    <ds:schemaRef ds:uri="http://purl.org/dc/dcmitype/"/>
+    <ds:schemaRef ds:uri="http://purl.org/dc/elements/1.1/"/>
+    <ds:schemaRef ds:uri="http://purl.org/dc/terms/"/>
+    <ds:schemaRef ds:uri="http://schemas.microsoft.com/office/infopath/2007/PartnerControls"/>
+    <ds:schemaRef ds:uri="http://schemas.microsoft.com/office/2006/metadata/properties"/>
+    <ds:schemaRef ds:uri="http://www.w3.org/XML/1998/namespace"/>
+    <ds:schemaRef ds:uri="http://schemas.openxmlformats.org/package/2006/metadata/core-properties"/>
+    <ds:schemaRef ds:uri="230e9df3-be65-4c73-a93b-d1236ebd677e"/>
+    <ds:schemaRef ds:uri="16c05727-aa75-4e4a-9b5f-8a80a1165891"/>
+    <ds:schemaRef ds:uri="71af3243-3dd4-4a8d-8c0d-dd76da1f02a5"/>
+  </ds:schemaRefs>
+</ds:datastoreItem>
+</file>
+
 <file path=customXml/itemProps3.xml><?xml version="1.0" encoding="utf-8"?>
 <ds:datastoreItem xmlns:ds="http://schemas.openxmlformats.org/officeDocument/2006/customXml" ds:itemID="{2F49CD38-5B57-4682-9FCE-B9174068D0AE}">
   <ds:schemaRefs>
